--- a/MediaWiki Research/MediaWikiInstallationAndDeploymentPresentation.pptx
+++ b/MediaWiki Research/MediaWikiInstallationAndDeploymentPresentation.pptx
@@ -108,6 +108,11 @@
       </a:defRPr>
     </a:lvl9pPr>
   </p:defaultTextStyle>
+  <p:extLst>
+    <p:ext uri="{EFAFB233-063F-42B5-8137-9DF3F51BA10A}">
+      <p15:sldGuideLst xmlns:p15="http://schemas.microsoft.com/office/powerpoint/2012/main"/>
+    </p:ext>
+  </p:extLst>
 </p:presentation>
 </file>
 
@@ -6098,7 +6103,17 @@
                   </a:schemeClr>
                 </a:solidFill>
               </a:rPr>
-              <a:t> Various add-ons to </a:t>
+              <a:t>Various </a:t>
+            </a:r>
+            <a:r>
+              <a:rPr lang="en-ZA" sz="1800" dirty="0" smtClean="0">
+                <a:solidFill>
+                  <a:schemeClr val="bg2">
+                    <a:lumMod val="25000"/>
+                  </a:schemeClr>
+                </a:solidFill>
+              </a:rPr>
+              <a:t>add-ons to </a:t>
             </a:r>
             <a:r>
               <a:rPr lang="en-ZA" sz="1800" dirty="0" err="1">
@@ -6474,19 +6489,6 @@
                 </a:solidFill>
               </a:rPr>
               <a:t>Can be a lot of effort to install.</a:t>
-            </a:r>
-          </a:p>
-          <a:p>
-            <a:pPr lvl="1"/>
-            <a:r>
-              <a:rPr lang="en-ZA" sz="1800" dirty="0" smtClean="0">
-                <a:solidFill>
-                  <a:schemeClr val="bg2">
-                    <a:lumMod val="25000"/>
-                  </a:schemeClr>
-                </a:solidFill>
-              </a:rPr>
-              <a:t>End user might need an installation to use it.</a:t>
             </a:r>
           </a:p>
           <a:p>
@@ -7484,19 +7486,6 @@
           </a:p>
           <a:p>
             <a:pPr lvl="1"/>
-            <a:r>
-              <a:rPr lang="en-ZA" sz="1800" dirty="0">
-                <a:solidFill>
-                  <a:schemeClr val="bg2">
-                    <a:lumMod val="25000"/>
-                  </a:schemeClr>
-                </a:solidFill>
-              </a:rPr>
-              <a:t>Need to make our extension available as open source.</a:t>
-            </a:r>
-          </a:p>
-          <a:p>
-            <a:pPr lvl="1"/>
             <a:endParaRPr lang="en-ZA" sz="1800" dirty="0">
               <a:solidFill>
                 <a:schemeClr val="bg2">
@@ -7600,7 +7589,27 @@
             </a:r>
             <a:r>
               <a:rPr lang="en-ZA" sz="2000" dirty="0" smtClean="0"/>
-              <a:t> seems to be an eligible candidate for providing us with a solution to the collaborative writing and structuring that is needed by </a:t>
+              <a:t> seems to be an eligible </a:t>
+            </a:r>
+            <a:r>
+              <a:rPr lang="en-ZA" sz="2000" dirty="0" smtClean="0"/>
+              <a:t>solution for providing </a:t>
+            </a:r>
+            <a:r>
+              <a:rPr lang="en-ZA" sz="2000" dirty="0" smtClean="0"/>
+              <a:t>us </a:t>
+            </a:r>
+            <a:r>
+              <a:rPr lang="en-ZA" sz="2000" dirty="0" smtClean="0"/>
+              <a:t>with collaborative </a:t>
+            </a:r>
+            <a:r>
+              <a:rPr lang="en-ZA" sz="2000" smtClean="0"/>
+              <a:t>writing functionality </a:t>
+            </a:r>
+            <a:r>
+              <a:rPr lang="en-ZA" sz="2000" dirty="0" smtClean="0"/>
+              <a:t>and structuring that is needed by </a:t>
             </a:r>
             <a:r>
               <a:rPr lang="en-ZA" sz="2000" dirty="0" err="1" smtClean="0"/>
